--- a/Doc/제안서/제안서 발표자료_최종.pptx
+++ b/Doc/제안서/제안서 발표자료_최종.pptx
@@ -26117,8 +26117,8 @@
         </p:nvSpPr>
         <p:spPr>
           <a:xfrm>
-            <a:off x="6345990" y="3137735"/>
-            <a:ext cx="3228204" cy="707886"/>
+            <a:off x="6096000" y="1271391"/>
+            <a:ext cx="2001398" cy="3170099"/>
           </a:xfrm>
           <a:prstGeom prst="rect">
             <a:avLst/>
@@ -26132,40 +26132,227 @@
           <a:lstStyle/>
           <a:p>
             <a:r>
-              <a:rPr lang="ko-KR" altLang="en-US" sz="2000" b="1" dirty="0">
-                <a:latin typeface="카카오 Light" panose="020B0600000101010101" pitchFamily="50" charset="-127"/>
-                <a:ea typeface="카카오 Light" panose="020B0600000101010101" pitchFamily="50" charset="-127"/>
+              <a:rPr lang="ko-KR" altLang="en-US" sz="2000" dirty="0">
+                <a:latin typeface="카카오 Regular" panose="020B0600000101010101" pitchFamily="50" charset="-127"/>
+                <a:ea typeface="카카오 Regular" panose="020B0600000101010101" pitchFamily="50" charset="-127"/>
               </a:rPr>
               <a:t>키 이벤트</a:t>
             </a:r>
-            <a:endParaRPr lang="en-US" altLang="ko-KR" sz="2000" b="1" dirty="0">
+            <a:endParaRPr lang="en-US" altLang="ko-KR" sz="2000" dirty="0">
+              <a:latin typeface="카카오 Regular" panose="020B0600000101010101" pitchFamily="50" charset="-127"/>
+              <a:ea typeface="카카오 Regular" panose="020B0600000101010101" pitchFamily="50" charset="-127"/>
+            </a:endParaRPr>
+          </a:p>
+          <a:p>
+            <a:endParaRPr lang="en-US" altLang="ko-KR" sz="2000" dirty="0">
               <a:latin typeface="카카오 Light" panose="020B0600000101010101" pitchFamily="50" charset="-127"/>
               <a:ea typeface="카카오 Light" panose="020B0600000101010101" pitchFamily="50" charset="-127"/>
             </a:endParaRPr>
           </a:p>
           <a:p>
-            <a:r>
-              <a:rPr lang="ko-KR" altLang="en-US" sz="2000" dirty="0">
-                <a:latin typeface="카카오 Light" panose="020B0600000101010101" pitchFamily="50" charset="-127"/>
-                <a:ea typeface="카카오 Light" panose="020B0600000101010101" pitchFamily="50" charset="-127"/>
-              </a:rPr>
-              <a:t>기존 </a:t>
-            </a:r>
-            <a:r>
-              <a:rPr lang="en-US" altLang="ko-KR" sz="2000" dirty="0" err="1">
-                <a:latin typeface="카카오 Light" panose="020B0600000101010101" pitchFamily="50" charset="-127"/>
-                <a:ea typeface="카카오 Light" panose="020B0600000101010101" pitchFamily="50" charset="-127"/>
-              </a:rPr>
-              <a:t>pytris</a:t>
-            </a:r>
-            <a:r>
-              <a:rPr lang="ko-KR" altLang="en-US" sz="2000" dirty="0">
-                <a:latin typeface="카카오 Light" panose="020B0600000101010101" pitchFamily="50" charset="-127"/>
-                <a:ea typeface="카카오 Light" panose="020B0600000101010101" pitchFamily="50" charset="-127"/>
-              </a:rPr>
-              <a:t>의 키 기능을 유지</a:t>
+            <a:pPr rtl="0">
+              <a:spcBef>
+                <a:spcPts val="0"/>
+              </a:spcBef>
+              <a:spcAft>
+                <a:spcPts val="0"/>
+              </a:spcAft>
+            </a:pPr>
+            <a:r>
+              <a:rPr lang="en-US" altLang="ko-KR" sz="2000" i="0" u="none" strike="noStrike" dirty="0">
+                <a:solidFill>
+                  <a:srgbClr val="000000"/>
+                </a:solidFill>
+                <a:effectLst/>
+                <a:latin typeface="카카오 Light" panose="020B0600000101010101" pitchFamily="50" charset="-127"/>
+                <a:ea typeface="카카오 Light" panose="020B0600000101010101" pitchFamily="50" charset="-127"/>
+              </a:rPr>
+              <a:t>Space</a:t>
             </a:r>
             <a:endParaRPr lang="en-US" altLang="ko-KR" sz="2000" dirty="0">
+              <a:effectLst/>
+              <a:latin typeface="카카오 Light" panose="020B0600000101010101" pitchFamily="50" charset="-127"/>
+              <a:ea typeface="카카오 Light" panose="020B0600000101010101" pitchFamily="50" charset="-127"/>
+            </a:endParaRPr>
+          </a:p>
+          <a:p>
+            <a:pPr rtl="0">
+              <a:spcBef>
+                <a:spcPts val="0"/>
+              </a:spcBef>
+              <a:spcAft>
+                <a:spcPts val="0"/>
+              </a:spcAft>
+            </a:pPr>
+            <a:r>
+              <a:rPr lang="en-US" altLang="ko-KR" sz="2000" i="0" u="none" strike="noStrike" dirty="0">
+                <a:solidFill>
+                  <a:srgbClr val="000000"/>
+                </a:solidFill>
+                <a:effectLst/>
+                <a:latin typeface="카카오 Light" panose="020B0600000101010101" pitchFamily="50" charset="-127"/>
+                <a:ea typeface="카카오 Light" panose="020B0600000101010101" pitchFamily="50" charset="-127"/>
+              </a:rPr>
+              <a:t>↓</a:t>
+            </a:r>
+            <a:endParaRPr lang="en-US" altLang="ko-KR" sz="2000" dirty="0">
+              <a:effectLst/>
+              <a:latin typeface="카카오 Light" panose="020B0600000101010101" pitchFamily="50" charset="-127"/>
+              <a:ea typeface="카카오 Light" panose="020B0600000101010101" pitchFamily="50" charset="-127"/>
+            </a:endParaRPr>
+          </a:p>
+          <a:p>
+            <a:pPr rtl="0">
+              <a:spcBef>
+                <a:spcPts val="0"/>
+              </a:spcBef>
+              <a:spcAft>
+                <a:spcPts val="0"/>
+              </a:spcAft>
+            </a:pPr>
+            <a:r>
+              <a:rPr lang="en-US" altLang="ko-KR" sz="2000" i="0" u="none" strike="noStrike" dirty="0">
+                <a:solidFill>
+                  <a:srgbClr val="000000"/>
+                </a:solidFill>
+                <a:effectLst/>
+                <a:latin typeface="카카오 Light" panose="020B0600000101010101" pitchFamily="50" charset="-127"/>
+                <a:ea typeface="카카오 Light" panose="020B0600000101010101" pitchFamily="50" charset="-127"/>
+              </a:rPr>
+              <a:t>↑ or X</a:t>
+            </a:r>
+            <a:endParaRPr lang="en-US" altLang="ko-KR" sz="2000" dirty="0">
+              <a:effectLst/>
+              <a:latin typeface="카카오 Light" panose="020B0600000101010101" pitchFamily="50" charset="-127"/>
+              <a:ea typeface="카카오 Light" panose="020B0600000101010101" pitchFamily="50" charset="-127"/>
+            </a:endParaRPr>
+          </a:p>
+          <a:p>
+            <a:pPr rtl="0">
+              <a:spcBef>
+                <a:spcPts val="0"/>
+              </a:spcBef>
+              <a:spcAft>
+                <a:spcPts val="0"/>
+              </a:spcAft>
+            </a:pPr>
+            <a:r>
+              <a:rPr lang="en-US" altLang="ko-KR" sz="2000" i="0" u="none" strike="noStrike" dirty="0">
+                <a:solidFill>
+                  <a:srgbClr val="000000"/>
+                </a:solidFill>
+                <a:effectLst/>
+                <a:latin typeface="카카오 Light" panose="020B0600000101010101" pitchFamily="50" charset="-127"/>
+                <a:ea typeface="카카오 Light" panose="020B0600000101010101" pitchFamily="50" charset="-127"/>
+              </a:rPr>
+              <a:t>→</a:t>
+            </a:r>
+            <a:endParaRPr lang="en-US" altLang="ko-KR" sz="2000" dirty="0">
+              <a:effectLst/>
+              <a:latin typeface="카카오 Light" panose="020B0600000101010101" pitchFamily="50" charset="-127"/>
+              <a:ea typeface="카카오 Light" panose="020B0600000101010101" pitchFamily="50" charset="-127"/>
+            </a:endParaRPr>
+          </a:p>
+          <a:p>
+            <a:pPr rtl="0">
+              <a:spcBef>
+                <a:spcPts val="0"/>
+              </a:spcBef>
+              <a:spcAft>
+                <a:spcPts val="0"/>
+              </a:spcAft>
+            </a:pPr>
+            <a:r>
+              <a:rPr lang="en-US" altLang="ko-KR" sz="2000" i="0" u="none" strike="noStrike" dirty="0">
+                <a:solidFill>
+                  <a:srgbClr val="000000"/>
+                </a:solidFill>
+                <a:effectLst/>
+                <a:latin typeface="카카오 Light" panose="020B0600000101010101" pitchFamily="50" charset="-127"/>
+                <a:ea typeface="카카오 Light" panose="020B0600000101010101" pitchFamily="50" charset="-127"/>
+              </a:rPr>
+              <a:t>←</a:t>
+            </a:r>
+            <a:endParaRPr lang="en-US" altLang="ko-KR" sz="2000" dirty="0">
+              <a:effectLst/>
+              <a:latin typeface="카카오 Light" panose="020B0600000101010101" pitchFamily="50" charset="-127"/>
+              <a:ea typeface="카카오 Light" panose="020B0600000101010101" pitchFamily="50" charset="-127"/>
+            </a:endParaRPr>
+          </a:p>
+          <a:p>
+            <a:pPr rtl="0">
+              <a:spcBef>
+                <a:spcPts val="0"/>
+              </a:spcBef>
+              <a:spcAft>
+                <a:spcPts val="0"/>
+              </a:spcAft>
+            </a:pPr>
+            <a:r>
+              <a:rPr lang="en-US" altLang="ko-KR" sz="2000" i="0" u="none" strike="noStrike" dirty="0">
+                <a:solidFill>
+                  <a:srgbClr val="000000"/>
+                </a:solidFill>
+                <a:effectLst/>
+                <a:latin typeface="카카오 Light" panose="020B0600000101010101" pitchFamily="50" charset="-127"/>
+                <a:ea typeface="카카오 Light" panose="020B0600000101010101" pitchFamily="50" charset="-127"/>
+              </a:rPr>
+              <a:t>Left Ctrl or Z</a:t>
+            </a:r>
+            <a:endParaRPr lang="en-US" altLang="ko-KR" sz="2000" dirty="0">
+              <a:effectLst/>
+              <a:latin typeface="카카오 Light" panose="020B0600000101010101" pitchFamily="50" charset="-127"/>
+              <a:ea typeface="카카오 Light" panose="020B0600000101010101" pitchFamily="50" charset="-127"/>
+            </a:endParaRPr>
+          </a:p>
+          <a:p>
+            <a:pPr rtl="0">
+              <a:spcBef>
+                <a:spcPts val="0"/>
+              </a:spcBef>
+              <a:spcAft>
+                <a:spcPts val="0"/>
+              </a:spcAft>
+            </a:pPr>
+            <a:r>
+              <a:rPr lang="en-US" altLang="ko-KR" sz="2000" i="0" u="none" strike="noStrike" dirty="0">
+                <a:solidFill>
+                  <a:srgbClr val="000000"/>
+                </a:solidFill>
+                <a:effectLst/>
+                <a:latin typeface="카카오 Light" panose="020B0600000101010101" pitchFamily="50" charset="-127"/>
+                <a:ea typeface="카카오 Light" panose="020B0600000101010101" pitchFamily="50" charset="-127"/>
+              </a:rPr>
+              <a:t>Left Shift or C</a:t>
+            </a:r>
+            <a:endParaRPr lang="en-US" altLang="ko-KR" sz="2000" dirty="0">
+              <a:effectLst/>
+              <a:latin typeface="카카오 Light" panose="020B0600000101010101" pitchFamily="50" charset="-127"/>
+              <a:ea typeface="카카오 Light" panose="020B0600000101010101" pitchFamily="50" charset="-127"/>
+            </a:endParaRPr>
+          </a:p>
+          <a:p>
+            <a:pPr rtl="0">
+              <a:spcBef>
+                <a:spcPts val="0"/>
+              </a:spcBef>
+              <a:spcAft>
+                <a:spcPts val="0"/>
+              </a:spcAft>
+            </a:pPr>
+            <a:r>
+              <a:rPr lang="en-US" altLang="ko-KR" sz="2000" i="0" u="none" strike="noStrike" dirty="0">
+                <a:solidFill>
+                  <a:srgbClr val="000000"/>
+                </a:solidFill>
+                <a:effectLst/>
+                <a:latin typeface="카카오 Light" panose="020B0600000101010101" pitchFamily="50" charset="-127"/>
+                <a:ea typeface="카카오 Light" panose="020B0600000101010101" pitchFamily="50" charset="-127"/>
+              </a:rPr>
+              <a:t>ESC</a:t>
+            </a:r>
+            <a:endParaRPr lang="en-US" altLang="ko-KR" sz="2000" dirty="0">
+              <a:effectLst/>
               <a:latin typeface="카카오 Light" panose="020B0600000101010101" pitchFamily="50" charset="-127"/>
               <a:ea typeface="카카오 Light" panose="020B0600000101010101" pitchFamily="50" charset="-127"/>
             </a:endParaRPr>
@@ -26886,6 +27073,460 @@
           </a:extLst>
         </p:spPr>
       </p:pic>
+      <p:sp>
+        <p:nvSpPr>
+          <p:cNvPr id="24" name="TextBox 23">
+            <a:extLst>
+              <a:ext uri="{FF2B5EF4-FFF2-40B4-BE49-F238E27FC236}">
+                <a16:creationId xmlns:a16="http://schemas.microsoft.com/office/drawing/2014/main" id="{9B052494-E9D7-4F9B-9B97-B487D2A33EB5}"/>
+              </a:ext>
+            </a:extLst>
+          </p:cNvPr>
+          <p:cNvSpPr txBox="1"/>
+          <p:nvPr/>
+        </p:nvSpPr>
+        <p:spPr>
+          <a:xfrm>
+            <a:off x="7960092" y="1548389"/>
+            <a:ext cx="1810506" cy="2923877"/>
+          </a:xfrm>
+          <a:prstGeom prst="rect">
+            <a:avLst/>
+          </a:prstGeom>
+          <a:noFill/>
+        </p:spPr>
+        <p:txBody>
+          <a:bodyPr wrap="square">
+            <a:spAutoFit/>
+          </a:bodyPr>
+          <a:lstStyle/>
+          <a:p>
+            <a:pPr rtl="0">
+              <a:spcBef>
+                <a:spcPts val="0"/>
+              </a:spcBef>
+              <a:spcAft>
+                <a:spcPts val="0"/>
+              </a:spcAft>
+            </a:pPr>
+            <a:br>
+              <a:rPr lang="en-US" altLang="ko-KR" sz="2000" dirty="0">
+                <a:effectLst/>
+                <a:latin typeface="카카오 Light" panose="020B0600000101010101" pitchFamily="50" charset="-127"/>
+                <a:ea typeface="카카오 Light" panose="020B0600000101010101" pitchFamily="50" charset="-127"/>
+              </a:rPr>
+            </a:br>
+            <a:r>
+              <a:rPr lang="en-US" altLang="ko-KR" sz="2000" i="0" u="none" strike="noStrike" dirty="0">
+                <a:solidFill>
+                  <a:srgbClr val="000000"/>
+                </a:solidFill>
+                <a:effectLst/>
+                <a:latin typeface="카카오 Light" panose="020B0600000101010101" pitchFamily="50" charset="-127"/>
+                <a:ea typeface="카카오 Light" panose="020B0600000101010101" pitchFamily="50" charset="-127"/>
+              </a:rPr>
+              <a:t>Hard drop</a:t>
+            </a:r>
+            <a:endParaRPr lang="en-US" altLang="ko-KR" sz="2000" dirty="0">
+              <a:effectLst/>
+              <a:latin typeface="카카오 Light" panose="020B0600000101010101" pitchFamily="50" charset="-127"/>
+              <a:ea typeface="카카오 Light" panose="020B0600000101010101" pitchFamily="50" charset="-127"/>
+            </a:endParaRPr>
+          </a:p>
+          <a:p>
+            <a:pPr rtl="0">
+              <a:spcBef>
+                <a:spcPts val="0"/>
+              </a:spcBef>
+              <a:spcAft>
+                <a:spcPts val="0"/>
+              </a:spcAft>
+            </a:pPr>
+            <a:r>
+              <a:rPr lang="en-US" altLang="ko-KR" sz="2000" i="0" u="none" strike="noStrike" dirty="0">
+                <a:solidFill>
+                  <a:srgbClr val="000000"/>
+                </a:solidFill>
+                <a:effectLst/>
+                <a:latin typeface="카카오 Light" panose="020B0600000101010101" pitchFamily="50" charset="-127"/>
+                <a:ea typeface="카카오 Light" panose="020B0600000101010101" pitchFamily="50" charset="-127"/>
+              </a:rPr>
+              <a:t>Soft drop</a:t>
+            </a:r>
+            <a:endParaRPr lang="en-US" altLang="ko-KR" sz="2000" dirty="0">
+              <a:effectLst/>
+              <a:latin typeface="카카오 Light" panose="020B0600000101010101" pitchFamily="50" charset="-127"/>
+              <a:ea typeface="카카오 Light" panose="020B0600000101010101" pitchFamily="50" charset="-127"/>
+            </a:endParaRPr>
+          </a:p>
+          <a:p>
+            <a:pPr rtl="0">
+              <a:spcBef>
+                <a:spcPts val="0"/>
+              </a:spcBef>
+              <a:spcAft>
+                <a:spcPts val="0"/>
+              </a:spcAft>
+            </a:pPr>
+            <a:r>
+              <a:rPr lang="en-US" altLang="ko-KR" sz="2000" i="0" u="none" strike="noStrike" dirty="0">
+                <a:solidFill>
+                  <a:srgbClr val="000000"/>
+                </a:solidFill>
+                <a:effectLst/>
+                <a:latin typeface="카카오 Light" panose="020B0600000101010101" pitchFamily="50" charset="-127"/>
+                <a:ea typeface="카카오 Light" panose="020B0600000101010101" pitchFamily="50" charset="-127"/>
+              </a:rPr>
+              <a:t>Rotate Right</a:t>
+            </a:r>
+            <a:endParaRPr lang="en-US" altLang="ko-KR" sz="2000" dirty="0">
+              <a:effectLst/>
+              <a:latin typeface="카카오 Light" panose="020B0600000101010101" pitchFamily="50" charset="-127"/>
+              <a:ea typeface="카카오 Light" panose="020B0600000101010101" pitchFamily="50" charset="-127"/>
+            </a:endParaRPr>
+          </a:p>
+          <a:p>
+            <a:pPr rtl="0">
+              <a:spcBef>
+                <a:spcPts val="0"/>
+              </a:spcBef>
+              <a:spcAft>
+                <a:spcPts val="0"/>
+              </a:spcAft>
+            </a:pPr>
+            <a:r>
+              <a:rPr lang="en-US" altLang="ko-KR" sz="2000" i="0" u="none" strike="noStrike" dirty="0">
+                <a:solidFill>
+                  <a:srgbClr val="000000"/>
+                </a:solidFill>
+                <a:effectLst/>
+                <a:latin typeface="카카오 Light" panose="020B0600000101010101" pitchFamily="50" charset="-127"/>
+                <a:ea typeface="카카오 Light" panose="020B0600000101010101" pitchFamily="50" charset="-127"/>
+              </a:rPr>
+              <a:t>Move Right</a:t>
+            </a:r>
+            <a:endParaRPr lang="en-US" altLang="ko-KR" sz="2000" dirty="0">
+              <a:effectLst/>
+              <a:latin typeface="카카오 Light" panose="020B0600000101010101" pitchFamily="50" charset="-127"/>
+              <a:ea typeface="카카오 Light" panose="020B0600000101010101" pitchFamily="50" charset="-127"/>
+            </a:endParaRPr>
+          </a:p>
+          <a:p>
+            <a:pPr rtl="0">
+              <a:spcBef>
+                <a:spcPts val="0"/>
+              </a:spcBef>
+              <a:spcAft>
+                <a:spcPts val="0"/>
+              </a:spcAft>
+            </a:pPr>
+            <a:r>
+              <a:rPr lang="en-US" altLang="ko-KR" sz="2000" i="0" u="none" strike="noStrike" dirty="0">
+                <a:solidFill>
+                  <a:srgbClr val="000000"/>
+                </a:solidFill>
+                <a:effectLst/>
+                <a:latin typeface="카카오 Light" panose="020B0600000101010101" pitchFamily="50" charset="-127"/>
+                <a:ea typeface="카카오 Light" panose="020B0600000101010101" pitchFamily="50" charset="-127"/>
+              </a:rPr>
+              <a:t>Move Left</a:t>
+            </a:r>
+            <a:endParaRPr lang="en-US" altLang="ko-KR" sz="2000" dirty="0">
+              <a:effectLst/>
+              <a:latin typeface="카카오 Light" panose="020B0600000101010101" pitchFamily="50" charset="-127"/>
+              <a:ea typeface="카카오 Light" panose="020B0600000101010101" pitchFamily="50" charset="-127"/>
+            </a:endParaRPr>
+          </a:p>
+          <a:p>
+            <a:pPr rtl="0">
+              <a:spcBef>
+                <a:spcPts val="0"/>
+              </a:spcBef>
+              <a:spcAft>
+                <a:spcPts val="0"/>
+              </a:spcAft>
+            </a:pPr>
+            <a:r>
+              <a:rPr lang="en-US" altLang="ko-KR" sz="2000" i="0" u="none" strike="noStrike" dirty="0">
+                <a:solidFill>
+                  <a:srgbClr val="000000"/>
+                </a:solidFill>
+                <a:effectLst/>
+                <a:latin typeface="카카오 Light" panose="020B0600000101010101" pitchFamily="50" charset="-127"/>
+                <a:ea typeface="카카오 Light" panose="020B0600000101010101" pitchFamily="50" charset="-127"/>
+              </a:rPr>
+              <a:t>Rotate Left</a:t>
+            </a:r>
+            <a:endParaRPr lang="en-US" altLang="ko-KR" sz="2000" dirty="0">
+              <a:effectLst/>
+              <a:latin typeface="카카오 Light" panose="020B0600000101010101" pitchFamily="50" charset="-127"/>
+              <a:ea typeface="카카오 Light" panose="020B0600000101010101" pitchFamily="50" charset="-127"/>
+            </a:endParaRPr>
+          </a:p>
+          <a:p>
+            <a:pPr rtl="0">
+              <a:spcBef>
+                <a:spcPts val="0"/>
+              </a:spcBef>
+              <a:spcAft>
+                <a:spcPts val="0"/>
+              </a:spcAft>
+            </a:pPr>
+            <a:r>
+              <a:rPr lang="en-US" altLang="ko-KR" sz="2000" i="0" u="none" strike="noStrike" dirty="0">
+                <a:solidFill>
+                  <a:srgbClr val="000000"/>
+                </a:solidFill>
+                <a:effectLst/>
+                <a:latin typeface="카카오 Light" panose="020B0600000101010101" pitchFamily="50" charset="-127"/>
+                <a:ea typeface="카카오 Light" panose="020B0600000101010101" pitchFamily="50" charset="-127"/>
+              </a:rPr>
+              <a:t>Hold</a:t>
+            </a:r>
+            <a:endParaRPr lang="en-US" altLang="ko-KR" sz="2000" dirty="0">
+              <a:effectLst/>
+              <a:latin typeface="카카오 Light" panose="020B0600000101010101" pitchFamily="50" charset="-127"/>
+              <a:ea typeface="카카오 Light" panose="020B0600000101010101" pitchFamily="50" charset="-127"/>
+            </a:endParaRPr>
+          </a:p>
+          <a:p>
+            <a:pPr rtl="0">
+              <a:spcBef>
+                <a:spcPts val="0"/>
+              </a:spcBef>
+              <a:spcAft>
+                <a:spcPts val="0"/>
+              </a:spcAft>
+            </a:pPr>
+            <a:r>
+              <a:rPr lang="en-US" altLang="ko-KR" sz="2000" i="0" u="none" strike="noStrike" dirty="0">
+                <a:solidFill>
+                  <a:srgbClr val="000000"/>
+                </a:solidFill>
+                <a:effectLst/>
+                <a:latin typeface="카카오 Light" panose="020B0600000101010101" pitchFamily="50" charset="-127"/>
+                <a:ea typeface="카카오 Light" panose="020B0600000101010101" pitchFamily="50" charset="-127"/>
+              </a:rPr>
+              <a:t>Pause</a:t>
+            </a:r>
+            <a:endParaRPr lang="ko-KR" altLang="en-US" sz="2000" dirty="0">
+              <a:latin typeface="카카오 Light" panose="020B0600000101010101" pitchFamily="50" charset="-127"/>
+              <a:ea typeface="카카오 Light" panose="020B0600000101010101" pitchFamily="50" charset="-127"/>
+            </a:endParaRPr>
+          </a:p>
+        </p:txBody>
+      </p:sp>
+      <p:sp>
+        <p:nvSpPr>
+          <p:cNvPr id="25" name="TextBox 24">
+            <a:extLst>
+              <a:ext uri="{FF2B5EF4-FFF2-40B4-BE49-F238E27FC236}">
+                <a16:creationId xmlns:a16="http://schemas.microsoft.com/office/drawing/2014/main" id="{6B3FF1DE-0323-4443-8303-C81B1CB40F4A}"/>
+              </a:ext>
+            </a:extLst>
+          </p:cNvPr>
+          <p:cNvSpPr txBox="1"/>
+          <p:nvPr/>
+        </p:nvSpPr>
+        <p:spPr>
+          <a:xfrm>
+            <a:off x="6187807" y="4655140"/>
+            <a:ext cx="3819181" cy="1384995"/>
+          </a:xfrm>
+          <a:prstGeom prst="rect">
+            <a:avLst/>
+          </a:prstGeom>
+          <a:noFill/>
+        </p:spPr>
+        <p:txBody>
+          <a:bodyPr wrap="square">
+            <a:spAutoFit/>
+          </a:bodyPr>
+          <a:lstStyle/>
+          <a:p>
+            <a:pPr rtl="0">
+              <a:spcBef>
+                <a:spcPts val="0"/>
+              </a:spcBef>
+              <a:spcAft>
+                <a:spcPts val="0"/>
+              </a:spcAft>
+            </a:pPr>
+            <a:r>
+              <a:rPr lang="ko-KR" altLang="en-US" sz="2000" dirty="0">
+                <a:latin typeface="카카오 Regular" panose="020B0600000101010101" pitchFamily="50" charset="-127"/>
+                <a:ea typeface="카카오 Regular" panose="020B0600000101010101" pitchFamily="50" charset="-127"/>
+              </a:rPr>
+              <a:t>게임 프로세스</a:t>
+            </a:r>
+            <a:endParaRPr lang="en-US" altLang="ko-KR" sz="2000" dirty="0">
+              <a:effectLst/>
+              <a:latin typeface="카카오 Light" panose="020B0600000101010101" pitchFamily="50" charset="-127"/>
+              <a:ea typeface="카카오 Light" panose="020B0600000101010101" pitchFamily="50" charset="-127"/>
+            </a:endParaRPr>
+          </a:p>
+          <a:p>
+            <a:pPr marL="285750" indent="-285750" rtl="0">
+              <a:spcBef>
+                <a:spcPts val="0"/>
+              </a:spcBef>
+              <a:spcAft>
+                <a:spcPts val="0"/>
+              </a:spcAft>
+              <a:buFont typeface="Arial" panose="020B0604020202020204" pitchFamily="34" charset="0"/>
+              <a:buChar char="•"/>
+            </a:pPr>
+            <a:r>
+              <a:rPr lang="en-US" altLang="ko-KR" sz="1600" i="0" u="none" strike="noStrike" dirty="0" err="1">
+                <a:solidFill>
+                  <a:srgbClr val="000000"/>
+                </a:solidFill>
+                <a:effectLst/>
+                <a:latin typeface="카카오 Light" panose="020B0600000101010101" pitchFamily="50" charset="-127"/>
+                <a:ea typeface="카카오 Light" panose="020B0600000101010101" pitchFamily="50" charset="-127"/>
+              </a:rPr>
+              <a:t>Pytris</a:t>
+            </a:r>
+            <a:r>
+              <a:rPr lang="ko-KR" altLang="en-US" sz="1600" i="0" u="none" strike="noStrike" dirty="0">
+                <a:solidFill>
+                  <a:srgbClr val="000000"/>
+                </a:solidFill>
+                <a:effectLst/>
+                <a:latin typeface="카카오 Light" panose="020B0600000101010101" pitchFamily="50" charset="-127"/>
+                <a:ea typeface="카카오 Light" panose="020B0600000101010101" pitchFamily="50" charset="-127"/>
+              </a:rPr>
+              <a:t>의 기본 룰을 유지</a:t>
+            </a:r>
+            <a:endParaRPr lang="en-US" altLang="ko-KR" sz="1600" i="0" u="none" strike="noStrike" dirty="0">
+              <a:solidFill>
+                <a:srgbClr val="000000"/>
+              </a:solidFill>
+              <a:effectLst/>
+              <a:latin typeface="카카오 Light" panose="020B0600000101010101" pitchFamily="50" charset="-127"/>
+              <a:ea typeface="카카오 Light" panose="020B0600000101010101" pitchFamily="50" charset="-127"/>
+            </a:endParaRPr>
+          </a:p>
+          <a:p>
+            <a:pPr marL="285750" indent="-285750" rtl="0">
+              <a:spcBef>
+                <a:spcPts val="0"/>
+              </a:spcBef>
+              <a:spcAft>
+                <a:spcPts val="0"/>
+              </a:spcAft>
+              <a:buFont typeface="Arial" panose="020B0604020202020204" pitchFamily="34" charset="0"/>
+              <a:buChar char="•"/>
+            </a:pPr>
+            <a:r>
+              <a:rPr lang="en-US" altLang="ko-KR" sz="1600" dirty="0">
+                <a:solidFill>
+                  <a:srgbClr val="000000"/>
+                </a:solidFill>
+                <a:latin typeface="카카오 Light" panose="020B0600000101010101" pitchFamily="50" charset="-127"/>
+                <a:ea typeface="카카오 Light" panose="020B0600000101010101" pitchFamily="50" charset="-127"/>
+              </a:rPr>
+              <a:t>Pause</a:t>
+            </a:r>
+            <a:r>
+              <a:rPr lang="ko-KR" altLang="en-US" sz="1600" dirty="0">
+                <a:solidFill>
+                  <a:srgbClr val="000000"/>
+                </a:solidFill>
+                <a:latin typeface="카카오 Light" panose="020B0600000101010101" pitchFamily="50" charset="-127"/>
+                <a:ea typeface="카카오 Light" panose="020B0600000101010101" pitchFamily="50" charset="-127"/>
+              </a:rPr>
+              <a:t>에 다시하기 기능 추가</a:t>
+            </a:r>
+            <a:endParaRPr lang="en-US" altLang="ko-KR" sz="1600" dirty="0">
+              <a:solidFill>
+                <a:srgbClr val="000000"/>
+              </a:solidFill>
+              <a:latin typeface="카카오 Light" panose="020B0600000101010101" pitchFamily="50" charset="-127"/>
+              <a:ea typeface="카카오 Light" panose="020B0600000101010101" pitchFamily="50" charset="-127"/>
+            </a:endParaRPr>
+          </a:p>
+          <a:p>
+            <a:pPr marL="285750" indent="-285750" rtl="0">
+              <a:spcBef>
+                <a:spcPts val="0"/>
+              </a:spcBef>
+              <a:spcAft>
+                <a:spcPts val="0"/>
+              </a:spcAft>
+              <a:buFont typeface="Arial" panose="020B0604020202020204" pitchFamily="34" charset="0"/>
+              <a:buChar char="•"/>
+            </a:pPr>
+            <a:r>
+              <a:rPr lang="en-US" altLang="ko-KR" sz="1600" dirty="0">
+                <a:solidFill>
+                  <a:srgbClr val="000000"/>
+                </a:solidFill>
+                <a:effectLst/>
+                <a:latin typeface="카카오 Light" panose="020B0600000101010101" pitchFamily="50" charset="-127"/>
+                <a:ea typeface="카카오 Light" panose="020B0600000101010101" pitchFamily="50" charset="-127"/>
+              </a:rPr>
+              <a:t>Combo </a:t>
+            </a:r>
+            <a:r>
+              <a:rPr lang="ko-KR" altLang="en-US" sz="1600" dirty="0">
+                <a:solidFill>
+                  <a:srgbClr val="000000"/>
+                </a:solidFill>
+                <a:effectLst/>
+                <a:latin typeface="카카오 Light" panose="020B0600000101010101" pitchFamily="50" charset="-127"/>
+                <a:ea typeface="카카오 Light" panose="020B0600000101010101" pitchFamily="50" charset="-127"/>
+              </a:rPr>
+              <a:t>기능 추가</a:t>
+            </a:r>
+            <a:endParaRPr lang="en-US" altLang="ko-KR" sz="1600" dirty="0">
+              <a:solidFill>
+                <a:srgbClr val="000000"/>
+              </a:solidFill>
+              <a:effectLst/>
+              <a:latin typeface="카카오 Light" panose="020B0600000101010101" pitchFamily="50" charset="-127"/>
+              <a:ea typeface="카카오 Light" panose="020B0600000101010101" pitchFamily="50" charset="-127"/>
+            </a:endParaRPr>
+          </a:p>
+          <a:p>
+            <a:pPr marL="285750" indent="-285750" rtl="0">
+              <a:spcBef>
+                <a:spcPts val="0"/>
+              </a:spcBef>
+              <a:spcAft>
+                <a:spcPts val="0"/>
+              </a:spcAft>
+              <a:buFont typeface="Arial" panose="020B0604020202020204" pitchFamily="34" charset="0"/>
+              <a:buChar char="•"/>
+            </a:pPr>
+            <a:r>
+              <a:rPr lang="en-US" altLang="ko-KR" sz="1600" dirty="0">
+                <a:solidFill>
+                  <a:srgbClr val="000000"/>
+                </a:solidFill>
+                <a:latin typeface="카카오 Light" panose="020B0600000101010101" pitchFamily="50" charset="-127"/>
+                <a:ea typeface="카카오 Light" panose="020B0600000101010101" pitchFamily="50" charset="-127"/>
+              </a:rPr>
+              <a:t>Score rules </a:t>
+            </a:r>
+            <a:r>
+              <a:rPr lang="ko-KR" altLang="en-US" sz="1600" dirty="0">
+                <a:solidFill>
+                  <a:srgbClr val="000000"/>
+                </a:solidFill>
+                <a:latin typeface="카카오 Light" panose="020B0600000101010101" pitchFamily="50" charset="-127"/>
+                <a:ea typeface="카카오 Light" panose="020B0600000101010101" pitchFamily="50" charset="-127"/>
+              </a:rPr>
+              <a:t>조정</a:t>
+            </a:r>
+            <a:endParaRPr lang="en-US" altLang="ko-KR" sz="1600" dirty="0">
+              <a:effectLst/>
+              <a:latin typeface="카카오 Light" panose="020B0600000101010101" pitchFamily="50" charset="-127"/>
+              <a:ea typeface="카카오 Light" panose="020B0600000101010101" pitchFamily="50" charset="-127"/>
+            </a:endParaRPr>
+          </a:p>
+        </p:txBody>
+      </p:sp>
     </p:spTree>
     <p:extLst>
       <p:ext uri="{BB962C8B-B14F-4D97-AF65-F5344CB8AC3E}">
@@ -27766,8 +28407,8 @@
         </p:nvSpPr>
         <p:spPr>
           <a:xfrm>
-            <a:off x="6554538" y="2111040"/>
-            <a:ext cx="4370136" cy="3600986"/>
+            <a:off x="6389284" y="1844268"/>
+            <a:ext cx="4370136" cy="3847207"/>
           </a:xfrm>
           <a:prstGeom prst="rect">
             <a:avLst/>
@@ -27785,23 +28426,41 @@
                 <a:latin typeface="카카오 Light" panose="020B0600000101010101" pitchFamily="50" charset="-127"/>
                 <a:ea typeface="카카오 Light" panose="020B0600000101010101" pitchFamily="50" charset="-127"/>
               </a:rPr>
-              <a:t>Process Part</a:t>
+              <a:t>Score</a:t>
+            </a:r>
+            <a:r>
+              <a:rPr lang="ko-KR" altLang="en-US" sz="2800" b="1" dirty="0">
+                <a:latin typeface="카카오 Light" panose="020B0600000101010101" pitchFamily="50" charset="-127"/>
+                <a:ea typeface="카카오 Light" panose="020B0600000101010101" pitchFamily="50" charset="-127"/>
+              </a:rPr>
+              <a:t> </a:t>
+            </a:r>
+            <a:r>
+              <a:rPr lang="en-US" altLang="ko-KR" sz="2800" b="1" dirty="0">
+                <a:latin typeface="카카오 Light" panose="020B0600000101010101" pitchFamily="50" charset="-127"/>
+                <a:ea typeface="카카오 Light" panose="020B0600000101010101" pitchFamily="50" charset="-127"/>
+              </a:rPr>
+              <a:t>Process</a:t>
             </a:r>
           </a:p>
           <a:p>
+            <a:pPr marL="342900" indent="-342900">
+              <a:buFont typeface="Arial" panose="020B0604020202020204" pitchFamily="34" charset="0"/>
+              <a:buChar char="•"/>
+            </a:pPr>
             <a:r>
               <a:rPr lang="en-US" altLang="ko-KR" sz="2000" dirty="0">
                 <a:latin typeface="카카오 Light" panose="020B0600000101010101" pitchFamily="50" charset="-127"/>
                 <a:ea typeface="카카오 Light" panose="020B0600000101010101" pitchFamily="50" charset="-127"/>
               </a:rPr>
-              <a:t>Combo </a:t>
+              <a:t>Combo Process </a:t>
             </a:r>
             <a:r>
               <a:rPr lang="ko-KR" altLang="en-US" sz="2000" dirty="0">
                 <a:latin typeface="카카오 Light" panose="020B0600000101010101" pitchFamily="50" charset="-127"/>
                 <a:ea typeface="카카오 Light" panose="020B0600000101010101" pitchFamily="50" charset="-127"/>
               </a:rPr>
-              <a:t>기능 추가</a:t>
+              <a:t>추가</a:t>
             </a:r>
             <a:endParaRPr lang="en-US" altLang="ko-KR" sz="2000" dirty="0">
               <a:latin typeface="카카오 Light" panose="020B0600000101010101" pitchFamily="50" charset="-127"/>
@@ -27809,53 +28468,44 @@
             </a:endParaRPr>
           </a:p>
           <a:p>
+            <a:pPr marL="342900" indent="-342900">
+              <a:buFont typeface="Arial" panose="020B0604020202020204" pitchFamily="34" charset="0"/>
+              <a:buChar char="•"/>
+            </a:pPr>
             <a:r>
               <a:rPr lang="en-US" altLang="ko-KR" sz="2000" dirty="0">
                 <a:latin typeface="카카오 Light" panose="020B0600000101010101" pitchFamily="50" charset="-127"/>
                 <a:ea typeface="카카오 Light" panose="020B0600000101010101" pitchFamily="50" charset="-127"/>
               </a:rPr>
-              <a:t>-&gt; </a:t>
+              <a:t>Level up </a:t>
             </a:r>
             <a:r>
               <a:rPr lang="ko-KR" altLang="en-US" sz="2000" dirty="0">
                 <a:latin typeface="카카오 Light" panose="020B0600000101010101" pitchFamily="50" charset="-127"/>
                 <a:ea typeface="카카오 Light" panose="020B0600000101010101" pitchFamily="50" charset="-127"/>
               </a:rPr>
-              <a:t>게임의 </a:t>
-            </a:r>
-            <a:r>
-              <a:rPr lang="ko-KR" altLang="en-US" sz="2000" dirty="0" err="1">
-                <a:latin typeface="카카오 Light" panose="020B0600000101010101" pitchFamily="50" charset="-127"/>
-                <a:ea typeface="카카오 Light" panose="020B0600000101010101" pitchFamily="50" charset="-127"/>
-              </a:rPr>
-              <a:t>타격감</a:t>
+              <a:t>당 </a:t>
+            </a:r>
+            <a:r>
+              <a:rPr lang="en-US" altLang="ko-KR" sz="2000" dirty="0" err="1">
+                <a:latin typeface="카카오 Light" panose="020B0600000101010101" pitchFamily="50" charset="-127"/>
+                <a:ea typeface="카카오 Light" panose="020B0600000101010101" pitchFamily="50" charset="-127"/>
+              </a:rPr>
+              <a:t>bgm</a:t>
+            </a:r>
+            <a:r>
+              <a:rPr lang="en-US" altLang="ko-KR" sz="2000" dirty="0">
+                <a:latin typeface="카카오 Light" panose="020B0600000101010101" pitchFamily="50" charset="-127"/>
+                <a:ea typeface="카카오 Light" panose="020B0600000101010101" pitchFamily="50" charset="-127"/>
+              </a:rPr>
+              <a:t> </a:t>
             </a:r>
             <a:r>
               <a:rPr lang="ko-KR" altLang="en-US" sz="2000" dirty="0">
                 <a:latin typeface="카카오 Light" panose="020B0600000101010101" pitchFamily="50" charset="-127"/>
                 <a:ea typeface="카카오 Light" panose="020B0600000101010101" pitchFamily="50" charset="-127"/>
               </a:rPr>
-              <a:t> 및 점수가 빠르게 증가</a:t>
-            </a:r>
-            <a:endParaRPr lang="en-US" altLang="ko-KR" sz="2000" dirty="0">
-              <a:latin typeface="카카오 Light" panose="020B0600000101010101" pitchFamily="50" charset="-127"/>
-              <a:ea typeface="카카오 Light" panose="020B0600000101010101" pitchFamily="50" charset="-127"/>
-            </a:endParaRPr>
-          </a:p>
-          <a:p>
-            <a:r>
-              <a:rPr lang="en-US" altLang="ko-KR" sz="2000" dirty="0">
-                <a:latin typeface="카카오 Light" panose="020B0600000101010101" pitchFamily="50" charset="-127"/>
-                <a:ea typeface="카카오 Light" panose="020B0600000101010101" pitchFamily="50" charset="-127"/>
-              </a:rPr>
-              <a:t>-&gt; </a:t>
-            </a:r>
-            <a:r>
-              <a:rPr lang="ko-KR" altLang="en-US" sz="2000" dirty="0">
-                <a:latin typeface="카카오 Light" panose="020B0600000101010101" pitchFamily="50" charset="-127"/>
-                <a:ea typeface="카카오 Light" panose="020B0600000101010101" pitchFamily="50" charset="-127"/>
-              </a:rPr>
-              <a:t>속도감 증가</a:t>
+              <a:t>속도 상승</a:t>
             </a:r>
             <a:endParaRPr lang="en-US" altLang="ko-KR" sz="2000" dirty="0">
               <a:latin typeface="카카오 Light" panose="020B0600000101010101" pitchFamily="50" charset="-127"/>
@@ -27870,27 +28520,69 @@
           </a:p>
           <a:p>
             <a:r>
-              <a:rPr lang="en-US" altLang="ko-KR" sz="2000" dirty="0">
-                <a:latin typeface="카카오 Light" panose="020B0600000101010101" pitchFamily="50" charset="-127"/>
-                <a:ea typeface="카카오 Light" panose="020B0600000101010101" pitchFamily="50" charset="-127"/>
-              </a:rPr>
-              <a:t>Combo Count</a:t>
+              <a:rPr lang="en-US" altLang="ko-KR" sz="2800" dirty="0">
+                <a:latin typeface="카카오 Regular" panose="020B0600000101010101" pitchFamily="50" charset="-127"/>
+                <a:ea typeface="카카오 Regular" panose="020B0600000101010101" pitchFamily="50" charset="-127"/>
+              </a:rPr>
+              <a:t>Score Rules</a:t>
             </a:r>
           </a:p>
           <a:p>
+            <a:pPr marL="342900" indent="-342900">
+              <a:buFont typeface="Arial" panose="020B0604020202020204" pitchFamily="34" charset="0"/>
+              <a:buChar char="•"/>
+            </a:pPr>
+            <a:r>
+              <a:rPr lang="en-US" altLang="ko-KR" sz="2000" dirty="0" err="1">
+                <a:latin typeface="카카오 Light" panose="020B0600000101010101" pitchFamily="50" charset="-127"/>
+                <a:ea typeface="카카오 Light" panose="020B0600000101010101" pitchFamily="50" charset="-127"/>
+              </a:rPr>
+              <a:t>combo_count</a:t>
+            </a:r>
             <a:r>
               <a:rPr lang="en-US" altLang="ko-KR" sz="2000" dirty="0">
                 <a:latin typeface="카카오 Light" panose="020B0600000101010101" pitchFamily="50" charset="-127"/>
                 <a:ea typeface="카카오 Light" panose="020B0600000101010101" pitchFamily="50" charset="-127"/>
               </a:rPr>
-              <a:t>-&gt; </a:t>
+              <a:t> </a:t>
             </a:r>
             <a:r>
               <a:rPr lang="ko-KR" altLang="en-US" sz="2000" dirty="0">
                 <a:latin typeface="카카오 Light" panose="020B0600000101010101" pitchFamily="50" charset="-127"/>
                 <a:ea typeface="카카오 Light" panose="020B0600000101010101" pitchFamily="50" charset="-127"/>
               </a:rPr>
-              <a:t>점수 증가 규칙에 변화</a:t>
+              <a:t>생성</a:t>
+            </a:r>
+            <a:endParaRPr lang="en-US" altLang="ko-KR" sz="2000" dirty="0">
+              <a:latin typeface="카카오 Light" panose="020B0600000101010101" pitchFamily="50" charset="-127"/>
+              <a:ea typeface="카카오 Light" panose="020B0600000101010101" pitchFamily="50" charset="-127"/>
+            </a:endParaRPr>
+          </a:p>
+          <a:p>
+            <a:pPr marL="342900" indent="-342900">
+              <a:buFont typeface="Arial" panose="020B0604020202020204" pitchFamily="34" charset="0"/>
+              <a:buChar char="•"/>
+            </a:pPr>
+            <a:r>
+              <a:rPr lang="en-US" altLang="ko-KR" sz="2000" dirty="0" err="1">
+                <a:latin typeface="카카오 Light" panose="020B0600000101010101" pitchFamily="50" charset="-127"/>
+                <a:ea typeface="카카오 Light" panose="020B0600000101010101" pitchFamily="50" charset="-127"/>
+              </a:rPr>
+              <a:t>erase_count</a:t>
+            </a:r>
+            <a:r>
+              <a:rPr lang="en-US" altLang="ko-KR" sz="2000" dirty="0">
+                <a:latin typeface="카카오 Light" panose="020B0600000101010101" pitchFamily="50" charset="-127"/>
+                <a:ea typeface="카카오 Light" panose="020B0600000101010101" pitchFamily="50" charset="-127"/>
+              </a:rPr>
+              <a:t> : score </a:t>
+            </a:r>
+            <a:r>
+              <a:rPr lang="ko-KR" altLang="en-US" sz="2000" dirty="0">
+                <a:latin typeface="카카오 Light" panose="020B0600000101010101" pitchFamily="50" charset="-127"/>
+                <a:ea typeface="카카오 Light" panose="020B0600000101010101" pitchFamily="50" charset="-127"/>
+              </a:rPr>
+              <a:t>상승 공식 개정</a:t>
             </a:r>
             <a:endParaRPr lang="en-US" altLang="ko-KR" sz="2000" dirty="0">
               <a:latin typeface="카카오 Light" panose="020B0600000101010101" pitchFamily="50" charset="-127"/>
@@ -27905,25 +28597,60 @@
           </a:p>
           <a:p>
             <a:r>
-              <a:rPr lang="en-US" altLang="ko-KR" sz="2000" dirty="0">
-                <a:latin typeface="카카오 Light" panose="020B0600000101010101" pitchFamily="50" charset="-127"/>
-                <a:ea typeface="카카오 Light" panose="020B0600000101010101" pitchFamily="50" charset="-127"/>
-              </a:rPr>
-              <a:t>Pause </a:t>
-            </a:r>
-            <a:r>
-              <a:rPr lang="ko-KR" altLang="en-US" sz="2000" dirty="0">
-                <a:latin typeface="카카오 Light" panose="020B0600000101010101" pitchFamily="50" charset="-127"/>
-                <a:ea typeface="카카오 Light" panose="020B0600000101010101" pitchFamily="50" charset="-127"/>
-              </a:rPr>
-              <a:t>단계에 다시하기 기능 추가</a:t>
-            </a:r>
-            <a:endParaRPr lang="en-US" altLang="ko-KR" sz="2000" dirty="0">
-              <a:latin typeface="카카오 Light" panose="020B0600000101010101" pitchFamily="50" charset="-127"/>
-              <a:ea typeface="카카오 Light" panose="020B0600000101010101" pitchFamily="50" charset="-127"/>
-            </a:endParaRPr>
+              <a:rPr lang="en-US" altLang="ko-KR" sz="2800" dirty="0">
+                <a:latin typeface="카카오 Regular" panose="020B0600000101010101" pitchFamily="50" charset="-127"/>
+                <a:ea typeface="카카오 Regular" panose="020B0600000101010101" pitchFamily="50" charset="-127"/>
+              </a:rPr>
+              <a:t>Combo Process</a:t>
+            </a:r>
           </a:p>
           <a:p>
+            <a:pPr marL="342900" indent="-342900">
+              <a:buFont typeface="Arial" panose="020B0604020202020204" pitchFamily="34" charset="0"/>
+              <a:buChar char="•"/>
+            </a:pPr>
+            <a:r>
+              <a:rPr lang="ko-KR" altLang="en-US" sz="2000" dirty="0">
+                <a:latin typeface="카카오 Light" panose="020B0600000101010101" pitchFamily="50" charset="-127"/>
+                <a:ea typeface="카카오 Light" panose="020B0600000101010101" pitchFamily="50" charset="-127"/>
+              </a:rPr>
+              <a:t>연속 </a:t>
+            </a:r>
+            <a:r>
+              <a:rPr lang="en-US" altLang="ko-KR" sz="2000" dirty="0">
+                <a:latin typeface="카카오 Light" panose="020B0600000101010101" pitchFamily="50" charset="-127"/>
+                <a:ea typeface="카카오 Light" panose="020B0600000101010101" pitchFamily="50" charset="-127"/>
+              </a:rPr>
+              <a:t>erase </a:t>
+            </a:r>
+            <a:r>
+              <a:rPr lang="ko-KR" altLang="en-US" sz="2000" dirty="0">
+                <a:latin typeface="카카오 Light" panose="020B0600000101010101" pitchFamily="50" charset="-127"/>
+                <a:ea typeface="카카오 Light" panose="020B0600000101010101" pitchFamily="50" charset="-127"/>
+              </a:rPr>
+              <a:t>경우 </a:t>
+            </a:r>
+            <a:r>
+              <a:rPr lang="en-US" altLang="ko-KR" sz="2000" dirty="0" err="1">
+                <a:latin typeface="카카오 Light" panose="020B0600000101010101" pitchFamily="50" charset="-127"/>
+                <a:ea typeface="카카오 Light" panose="020B0600000101010101" pitchFamily="50" charset="-127"/>
+              </a:rPr>
+              <a:t>Combo_count</a:t>
+            </a:r>
+            <a:r>
+              <a:rPr lang="en-US" altLang="ko-KR" sz="2000" dirty="0">
+                <a:latin typeface="카카오 Light" panose="020B0600000101010101" pitchFamily="50" charset="-127"/>
+                <a:ea typeface="카카오 Light" panose="020B0600000101010101" pitchFamily="50" charset="-127"/>
+              </a:rPr>
+              <a:t> </a:t>
+            </a:r>
+            <a:r>
+              <a:rPr lang="ko-KR" altLang="en-US" sz="2000" dirty="0">
+                <a:latin typeface="카카오 Light" panose="020B0600000101010101" pitchFamily="50" charset="-127"/>
+                <a:ea typeface="카카오 Light" panose="020B0600000101010101" pitchFamily="50" charset="-127"/>
+              </a:rPr>
+              <a:t>상승</a:t>
+            </a:r>
             <a:endParaRPr lang="en-US" altLang="ko-KR" sz="2000" dirty="0">
               <a:latin typeface="카카오 Light" panose="020B0600000101010101" pitchFamily="50" charset="-127"/>
               <a:ea typeface="카카오 Light" panose="020B0600000101010101" pitchFamily="50" charset="-127"/>

--- a/Doc/제안서/제안서 발표자료_최종.pptx
+++ b/Doc/제안서/제안서 발표자료_최종.pptx
@@ -34,7 +34,7 @@
   <p:notesSz cx="6858000" cy="9144000"/>
   <p:embeddedFontLst>
     <p:embeddedFont>
-      <p:font typeface="KoPub돋움체 Medium" panose="020B0600000101010101" charset="-127"/>
+      <p:font typeface="KoPub돋움체 Medium" panose="00000600000000000000" pitchFamily="2" charset="-127"/>
       <p:regular r:id="rId24"/>
     </p:embeddedFont>
     <p:embeddedFont>
@@ -13899,7 +13899,7 @@
                 <a:latin typeface="카카오 Light" panose="020B0600000101010101" pitchFamily="50" charset="-127"/>
                 <a:ea typeface="카카오 Light" panose="020B0600000101010101" pitchFamily="50" charset="-127"/>
               </a:rPr>
-              <a:t>Anaconda</a:t>
+              <a:t>VS code</a:t>
             </a:r>
             <a:endParaRPr lang="ko-KR" altLang="en-US" sz="2000" dirty="0">
               <a:solidFill>
@@ -13961,7 +13961,7 @@
                 <a:latin typeface="카카오 Light" panose="020B0600000101010101" pitchFamily="50" charset="-127"/>
                 <a:ea typeface="카카오 Light" panose="020B0600000101010101" pitchFamily="50" charset="-127"/>
               </a:rPr>
-              <a:t>Windows</a:t>
+              <a:t>Ubuntu</a:t>
             </a:r>
             <a:endParaRPr lang="ko-KR" altLang="en-US" sz="2000" dirty="0">
               <a:solidFill>
